--- a/cryo-elec-mounting-details.pptx
+++ b/cryo-elec-mounting-details.pptx
@@ -7,15 +7,19 @@
   <p:sldIdLst>
     <p:sldId id="256" r:id="rId2"/>
     <p:sldId id="257" r:id="rId3"/>
-    <p:sldId id="258" r:id="rId4"/>
-    <p:sldId id="259" r:id="rId5"/>
-    <p:sldId id="262" r:id="rId6"/>
-    <p:sldId id="260" r:id="rId7"/>
-    <p:sldId id="263" r:id="rId8"/>
-    <p:sldId id="261" r:id="rId9"/>
+    <p:sldId id="265" r:id="rId4"/>
+    <p:sldId id="264" r:id="rId5"/>
+    <p:sldId id="267" r:id="rId6"/>
+    <p:sldId id="266" r:id="rId7"/>
+    <p:sldId id="258" r:id="rId8"/>
+    <p:sldId id="259" r:id="rId9"/>
+    <p:sldId id="262" r:id="rId10"/>
+    <p:sldId id="260" r:id="rId11"/>
+    <p:sldId id="263" r:id="rId12"/>
+    <p:sldId id="261" r:id="rId13"/>
   </p:sldIdLst>
   <p:sldSz cx="12192000" cy="6858000"/>
-  <p:notesSz cx="6858000" cy="9144000"/>
+  <p:notesSz cx="7023100" cy="9309100"/>
   <p:defaultTextStyle>
     <a:defPPr>
       <a:defRPr lang="en-US"/>
@@ -111,6 +115,11 @@
       </a:defRPr>
     </a:lvl9pPr>
   </p:defaultTextStyle>
+  <p:extLst>
+    <p:ext uri="{EFAFB233-063F-42B5-8137-9DF3F51BA10A}">
+      <p15:sldGuideLst xmlns:p15="http://schemas.microsoft.com/office/powerpoint/2012/main"/>
+    </p:ext>
+  </p:extLst>
 </p:presentation>
 </file>
 
@@ -261,7 +270,7 @@
           <a:p>
             <a:fld id="{B75B7C33-6008-4F09-8F04-50356F0E99CA}" type="datetimeFigureOut">
               <a:rPr lang="en-US" smtClean="0"/>
-              <a:t>10/21/2024</a:t>
+              <a:t>10/24/2024</a:t>
             </a:fld>
             <a:endParaRPr lang="en-US"/>
           </a:p>
@@ -459,7 +468,7 @@
           <a:p>
             <a:fld id="{B75B7C33-6008-4F09-8F04-50356F0E99CA}" type="datetimeFigureOut">
               <a:rPr lang="en-US" smtClean="0"/>
-              <a:t>10/21/2024</a:t>
+              <a:t>10/24/2024</a:t>
             </a:fld>
             <a:endParaRPr lang="en-US"/>
           </a:p>
@@ -667,7 +676,7 @@
           <a:p>
             <a:fld id="{B75B7C33-6008-4F09-8F04-50356F0E99CA}" type="datetimeFigureOut">
               <a:rPr lang="en-US" smtClean="0"/>
-              <a:t>10/21/2024</a:t>
+              <a:t>10/24/2024</a:t>
             </a:fld>
             <a:endParaRPr lang="en-US"/>
           </a:p>
@@ -865,7 +874,7 @@
           <a:p>
             <a:fld id="{B75B7C33-6008-4F09-8F04-50356F0E99CA}" type="datetimeFigureOut">
               <a:rPr lang="en-US" smtClean="0"/>
-              <a:t>10/21/2024</a:t>
+              <a:t>10/24/2024</a:t>
             </a:fld>
             <a:endParaRPr lang="en-US"/>
           </a:p>
@@ -1140,7 +1149,7 @@
           <a:p>
             <a:fld id="{B75B7C33-6008-4F09-8F04-50356F0E99CA}" type="datetimeFigureOut">
               <a:rPr lang="en-US" smtClean="0"/>
-              <a:t>10/21/2024</a:t>
+              <a:t>10/24/2024</a:t>
             </a:fld>
             <a:endParaRPr lang="en-US"/>
           </a:p>
@@ -1405,7 +1414,7 @@
           <a:p>
             <a:fld id="{B75B7C33-6008-4F09-8F04-50356F0E99CA}" type="datetimeFigureOut">
               <a:rPr lang="en-US" smtClean="0"/>
-              <a:t>10/21/2024</a:t>
+              <a:t>10/24/2024</a:t>
             </a:fld>
             <a:endParaRPr lang="en-US"/>
           </a:p>
@@ -1817,7 +1826,7 @@
           <a:p>
             <a:fld id="{B75B7C33-6008-4F09-8F04-50356F0E99CA}" type="datetimeFigureOut">
               <a:rPr lang="en-US" smtClean="0"/>
-              <a:t>10/21/2024</a:t>
+              <a:t>10/24/2024</a:t>
             </a:fld>
             <a:endParaRPr lang="en-US"/>
           </a:p>
@@ -1958,7 +1967,7 @@
           <a:p>
             <a:fld id="{B75B7C33-6008-4F09-8F04-50356F0E99CA}" type="datetimeFigureOut">
               <a:rPr lang="en-US" smtClean="0"/>
-              <a:t>10/21/2024</a:t>
+              <a:t>10/24/2024</a:t>
             </a:fld>
             <a:endParaRPr lang="en-US"/>
           </a:p>
@@ -2071,7 +2080,7 @@
           <a:p>
             <a:fld id="{B75B7C33-6008-4F09-8F04-50356F0E99CA}" type="datetimeFigureOut">
               <a:rPr lang="en-US" smtClean="0"/>
-              <a:t>10/21/2024</a:t>
+              <a:t>10/24/2024</a:t>
             </a:fld>
             <a:endParaRPr lang="en-US"/>
           </a:p>
@@ -2382,7 +2391,7 @@
           <a:p>
             <a:fld id="{B75B7C33-6008-4F09-8F04-50356F0E99CA}" type="datetimeFigureOut">
               <a:rPr lang="en-US" smtClean="0"/>
-              <a:t>10/21/2024</a:t>
+              <a:t>10/24/2024</a:t>
             </a:fld>
             <a:endParaRPr lang="en-US"/>
           </a:p>
@@ -2670,7 +2679,7 @@
           <a:p>
             <a:fld id="{B75B7C33-6008-4F09-8F04-50356F0E99CA}" type="datetimeFigureOut">
               <a:rPr lang="en-US" smtClean="0"/>
-              <a:t>10/21/2024</a:t>
+              <a:t>10/24/2024</a:t>
             </a:fld>
             <a:endParaRPr lang="en-US"/>
           </a:p>
@@ -2911,7 +2920,7 @@
           <a:p>
             <a:fld id="{B75B7C33-6008-4F09-8F04-50356F0E99CA}" type="datetimeFigureOut">
               <a:rPr lang="en-US" smtClean="0"/>
-              <a:t>10/21/2024</a:t>
+              <a:t>10/24/2024</a:t>
             </a:fld>
             <a:endParaRPr lang="en-US"/>
           </a:p>
@@ -3386,6 +3395,461 @@
 </p:sld>
 </file>
 
+<file path=ppt/slides/slide10.xml><?xml version="1.0" encoding="utf-8"?>
+<p:sld xmlns:a="http://schemas.openxmlformats.org/drawingml/2006/main" xmlns:r="http://schemas.openxmlformats.org/officeDocument/2006/relationships" xmlns:p="http://schemas.openxmlformats.org/presentationml/2006/main">
+  <p:cSld>
+    <p:spTree>
+      <p:nvGrpSpPr>
+        <p:cNvPr id="1" name=""/>
+        <p:cNvGrpSpPr/>
+        <p:nvPr/>
+      </p:nvGrpSpPr>
+      <p:grpSpPr>
+        <a:xfrm>
+          <a:off x="0" y="0"/>
+          <a:ext cx="0" cy="0"/>
+          <a:chOff x="0" y="0"/>
+          <a:chExt cx="0" cy="0"/>
+        </a:xfrm>
+      </p:grpSpPr>
+      <p:sp>
+        <p:nvSpPr>
+          <p:cNvPr id="5" name="TextBox 4">
+            <a:extLst>
+              <a:ext uri="{FF2B5EF4-FFF2-40B4-BE49-F238E27FC236}">
+                <a16:creationId xmlns:a16="http://schemas.microsoft.com/office/drawing/2014/main" id="{8D9D683E-CCB3-717E-DA5D-2F6F57137974}"/>
+              </a:ext>
+            </a:extLst>
+          </p:cNvPr>
+          <p:cNvSpPr txBox="1"/>
+          <p:nvPr/>
+        </p:nvSpPr>
+        <p:spPr>
+          <a:xfrm>
+            <a:off x="1891322" y="6308209"/>
+            <a:ext cx="8034215" cy="369332"/>
+          </a:xfrm>
+          <a:prstGeom prst="rect">
+            <a:avLst/>
+          </a:prstGeom>
+          <a:noFill/>
+        </p:spPr>
+        <p:txBody>
+          <a:bodyPr wrap="square">
+            <a:spAutoFit/>
+          </a:bodyPr>
+          <a:lstStyle/>
+          <a:p>
+            <a:r>
+              <a:rPr lang="en-US" dirty="0">
+                <a:hlinkClick r:id="rId2"/>
+              </a:rPr>
+              <a:t>https://www.amazon.com/Z-LOK-Threaded-Insert-Plastic/dp/B08QJHXR7P/</a:t>
+            </a:r>
+            <a:r>
+              <a:rPr lang="en-US" dirty="0"/>
+              <a:t> </a:t>
+            </a:r>
+          </a:p>
+        </p:txBody>
+      </p:sp>
+      <p:sp>
+        <p:nvSpPr>
+          <p:cNvPr id="7" name="TextBox 6">
+            <a:extLst>
+              <a:ext uri="{FF2B5EF4-FFF2-40B4-BE49-F238E27FC236}">
+                <a16:creationId xmlns:a16="http://schemas.microsoft.com/office/drawing/2014/main" id="{AA930862-2472-DB56-F224-32F0AD9BE722}"/>
+              </a:ext>
+            </a:extLst>
+          </p:cNvPr>
+          <p:cNvSpPr txBox="1"/>
+          <p:nvPr/>
+        </p:nvSpPr>
+        <p:spPr>
+          <a:xfrm>
+            <a:off x="1891322" y="6123543"/>
+            <a:ext cx="6096000" cy="369332"/>
+          </a:xfrm>
+          <a:prstGeom prst="rect">
+            <a:avLst/>
+          </a:prstGeom>
+          <a:noFill/>
+        </p:spPr>
+        <p:txBody>
+          <a:bodyPr wrap="square">
+            <a:spAutoFit/>
+          </a:bodyPr>
+          <a:lstStyle/>
+          <a:p>
+            <a:r>
+              <a:rPr lang="en-US" dirty="0"/>
+              <a:t>E-Z Lok ‎240-004-BR </a:t>
+            </a:r>
+          </a:p>
+        </p:txBody>
+      </p:sp>
+      <p:sp>
+        <p:nvSpPr>
+          <p:cNvPr id="9" name="TextBox 8">
+            <a:extLst>
+              <a:ext uri="{FF2B5EF4-FFF2-40B4-BE49-F238E27FC236}">
+                <a16:creationId xmlns:a16="http://schemas.microsoft.com/office/drawing/2014/main" id="{050B46B3-9B78-0527-DB6E-86950B4207E6}"/>
+              </a:ext>
+            </a:extLst>
+          </p:cNvPr>
+          <p:cNvSpPr txBox="1"/>
+          <p:nvPr/>
+        </p:nvSpPr>
+        <p:spPr>
+          <a:xfrm>
+            <a:off x="1891322" y="5846544"/>
+            <a:ext cx="6096000" cy="369332"/>
+          </a:xfrm>
+          <a:prstGeom prst="rect">
+            <a:avLst/>
+          </a:prstGeom>
+          <a:noFill/>
+        </p:spPr>
+        <p:txBody>
+          <a:bodyPr wrap="square">
+            <a:spAutoFit/>
+          </a:bodyPr>
+          <a:lstStyle/>
+          <a:p>
+            <a:r>
+              <a:rPr lang="en-US" dirty="0">
+                <a:hlinkClick r:id="rId3"/>
+              </a:rPr>
+              <a:t>https://www.ezlok.com/ezpress-insert-240-004-BR</a:t>
+            </a:r>
+            <a:r>
+              <a:rPr lang="en-US" dirty="0"/>
+              <a:t> </a:t>
+            </a:r>
+          </a:p>
+        </p:txBody>
+      </p:sp>
+      <p:pic>
+        <p:nvPicPr>
+          <p:cNvPr id="11" name="Picture 10">
+            <a:extLst>
+              <a:ext uri="{FF2B5EF4-FFF2-40B4-BE49-F238E27FC236}">
+                <a16:creationId xmlns:a16="http://schemas.microsoft.com/office/drawing/2014/main" id="{E1597A6A-18BA-C07B-91C5-B3D6E3A53B47}"/>
+              </a:ext>
+            </a:extLst>
+          </p:cNvPr>
+          <p:cNvPicPr>
+            <a:picLocks noChangeAspect="1"/>
+          </p:cNvPicPr>
+          <p:nvPr/>
+        </p:nvPicPr>
+        <p:blipFill>
+          <a:blip r:embed="rId4"/>
+          <a:stretch>
+            <a:fillRect/>
+          </a:stretch>
+        </p:blipFill>
+        <p:spPr>
+          <a:xfrm>
+            <a:off x="6967346" y="365125"/>
+            <a:ext cx="4544715" cy="5873170"/>
+          </a:xfrm>
+          <a:prstGeom prst="rect">
+            <a:avLst/>
+          </a:prstGeom>
+        </p:spPr>
+      </p:pic>
+      <p:sp>
+        <p:nvSpPr>
+          <p:cNvPr id="12" name="TextBox 11">
+            <a:extLst>
+              <a:ext uri="{FF2B5EF4-FFF2-40B4-BE49-F238E27FC236}">
+                <a16:creationId xmlns:a16="http://schemas.microsoft.com/office/drawing/2014/main" id="{BDDE086E-5E2F-2494-BA04-63B100552389}"/>
+              </a:ext>
+            </a:extLst>
+          </p:cNvPr>
+          <p:cNvSpPr txBox="1"/>
+          <p:nvPr/>
+        </p:nvSpPr>
+        <p:spPr>
+          <a:xfrm>
+            <a:off x="1568669" y="1773621"/>
+            <a:ext cx="4280338" cy="646331"/>
+          </a:xfrm>
+          <a:prstGeom prst="rect">
+            <a:avLst/>
+          </a:prstGeom>
+          <a:noFill/>
+        </p:spPr>
+        <p:txBody>
+          <a:bodyPr wrap="square" rtlCol="0">
+            <a:spAutoFit/>
+          </a:bodyPr>
+          <a:lstStyle/>
+          <a:p>
+            <a:r>
+              <a:rPr lang="en-US" dirty="0"/>
+              <a:t>Hole depth: 0.188” = 4.7752 mm</a:t>
+            </a:r>
+          </a:p>
+          <a:p>
+            <a:r>
+              <a:rPr lang="en-US" dirty="0"/>
+              <a:t>Hole width: 0.156” = 3.9624 mm</a:t>
+            </a:r>
+          </a:p>
+        </p:txBody>
+      </p:sp>
+    </p:spTree>
+    <p:extLst>
+      <p:ext uri="{BB962C8B-B14F-4D97-AF65-F5344CB8AC3E}">
+        <p14:creationId xmlns:p14="http://schemas.microsoft.com/office/powerpoint/2010/main" val="4172350872"/>
+      </p:ext>
+    </p:extLst>
+  </p:cSld>
+  <p:clrMapOvr>
+    <a:masterClrMapping/>
+  </p:clrMapOvr>
+</p:sld>
+</file>
+
+<file path=ppt/slides/slide11.xml><?xml version="1.0" encoding="utf-8"?>
+<p:sld xmlns:a="http://schemas.openxmlformats.org/drawingml/2006/main" xmlns:r="http://schemas.openxmlformats.org/officeDocument/2006/relationships" xmlns:p="http://schemas.openxmlformats.org/presentationml/2006/main">
+  <p:cSld>
+    <p:spTree>
+      <p:nvGrpSpPr>
+        <p:cNvPr id="1" name=""/>
+        <p:cNvGrpSpPr/>
+        <p:nvPr/>
+      </p:nvGrpSpPr>
+      <p:grpSpPr>
+        <a:xfrm>
+          <a:off x="0" y="0"/>
+          <a:ext cx="0" cy="0"/>
+          <a:chOff x="0" y="0"/>
+          <a:chExt cx="0" cy="0"/>
+        </a:xfrm>
+      </p:grpSpPr>
+      <p:pic>
+        <p:nvPicPr>
+          <p:cNvPr id="5" name="Picture 4">
+            <a:extLst>
+              <a:ext uri="{FF2B5EF4-FFF2-40B4-BE49-F238E27FC236}">
+                <a16:creationId xmlns:a16="http://schemas.microsoft.com/office/drawing/2014/main" id="{56C1B009-4D4E-4C24-2065-1CF33E7DC0CC}"/>
+              </a:ext>
+            </a:extLst>
+          </p:cNvPr>
+          <p:cNvPicPr>
+            <a:picLocks noChangeAspect="1"/>
+          </p:cNvPicPr>
+          <p:nvPr/>
+        </p:nvPicPr>
+        <p:blipFill>
+          <a:blip r:embed="rId2"/>
+          <a:stretch>
+            <a:fillRect/>
+          </a:stretch>
+        </p:blipFill>
+        <p:spPr>
+          <a:xfrm>
+            <a:off x="922216" y="394921"/>
+            <a:ext cx="10120923" cy="4799453"/>
+          </a:xfrm>
+          <a:prstGeom prst="rect">
+            <a:avLst/>
+          </a:prstGeom>
+        </p:spPr>
+      </p:pic>
+      <p:sp>
+        <p:nvSpPr>
+          <p:cNvPr id="7" name="TextBox 6">
+            <a:extLst>
+              <a:ext uri="{FF2B5EF4-FFF2-40B4-BE49-F238E27FC236}">
+                <a16:creationId xmlns:a16="http://schemas.microsoft.com/office/drawing/2014/main" id="{D68A2BA7-4513-2096-0787-98C1BFDF7D05}"/>
+              </a:ext>
+            </a:extLst>
+          </p:cNvPr>
+          <p:cNvSpPr txBox="1"/>
+          <p:nvPr/>
+        </p:nvSpPr>
+        <p:spPr>
+          <a:xfrm>
+            <a:off x="2219570" y="5366435"/>
+            <a:ext cx="6096000" cy="646331"/>
+          </a:xfrm>
+          <a:prstGeom prst="rect">
+            <a:avLst/>
+          </a:prstGeom>
+          <a:noFill/>
+        </p:spPr>
+        <p:txBody>
+          <a:bodyPr wrap="square">
+            <a:spAutoFit/>
+          </a:bodyPr>
+          <a:lstStyle/>
+          <a:p>
+            <a:r>
+              <a:rPr lang="en-US" dirty="0">
+                <a:hlinkClick r:id="rId3"/>
+              </a:rPr>
+              <a:t>https://www.amazon.com/Stainless-Available-Machine-Screws-Phillips/dp/B07B3XQ5Y2/</a:t>
+            </a:r>
+            <a:r>
+              <a:rPr lang="en-US" dirty="0"/>
+              <a:t> </a:t>
+            </a:r>
+          </a:p>
+        </p:txBody>
+      </p:sp>
+    </p:spTree>
+    <p:extLst>
+      <p:ext uri="{BB962C8B-B14F-4D97-AF65-F5344CB8AC3E}">
+        <p14:creationId xmlns:p14="http://schemas.microsoft.com/office/powerpoint/2010/main" val="679030462"/>
+      </p:ext>
+    </p:extLst>
+  </p:cSld>
+  <p:clrMapOvr>
+    <a:masterClrMapping/>
+  </p:clrMapOvr>
+</p:sld>
+</file>
+
+<file path=ppt/slides/slide12.xml><?xml version="1.0" encoding="utf-8"?>
+<p:sld xmlns:a="http://schemas.openxmlformats.org/drawingml/2006/main" xmlns:r="http://schemas.openxmlformats.org/officeDocument/2006/relationships" xmlns:p="http://schemas.openxmlformats.org/presentationml/2006/main">
+  <p:cSld>
+    <p:spTree>
+      <p:nvGrpSpPr>
+        <p:cNvPr id="1" name=""/>
+        <p:cNvGrpSpPr/>
+        <p:nvPr/>
+      </p:nvGrpSpPr>
+      <p:grpSpPr>
+        <a:xfrm>
+          <a:off x="0" y="0"/>
+          <a:ext cx="0" cy="0"/>
+          <a:chOff x="0" y="0"/>
+          <a:chExt cx="0" cy="0"/>
+        </a:xfrm>
+      </p:grpSpPr>
+      <p:pic>
+        <p:nvPicPr>
+          <p:cNvPr id="9" name="Picture 8">
+            <a:extLst>
+              <a:ext uri="{FF2B5EF4-FFF2-40B4-BE49-F238E27FC236}">
+                <a16:creationId xmlns:a16="http://schemas.microsoft.com/office/drawing/2014/main" id="{597A77F2-37BF-20D2-5198-054DF8F8B292}"/>
+              </a:ext>
+            </a:extLst>
+          </p:cNvPr>
+          <p:cNvPicPr>
+            <a:picLocks noChangeAspect="1"/>
+          </p:cNvPicPr>
+          <p:nvPr/>
+        </p:nvPicPr>
+        <p:blipFill>
+          <a:blip r:embed="rId2"/>
+          <a:stretch>
+            <a:fillRect/>
+          </a:stretch>
+        </p:blipFill>
+        <p:spPr>
+          <a:xfrm>
+            <a:off x="3032460" y="491173"/>
+            <a:ext cx="7612160" cy="5421838"/>
+          </a:xfrm>
+          <a:prstGeom prst="rect">
+            <a:avLst/>
+          </a:prstGeom>
+        </p:spPr>
+      </p:pic>
+      <p:sp>
+        <p:nvSpPr>
+          <p:cNvPr id="4" name="TextBox 3">
+            <a:extLst>
+              <a:ext uri="{FF2B5EF4-FFF2-40B4-BE49-F238E27FC236}">
+                <a16:creationId xmlns:a16="http://schemas.microsoft.com/office/drawing/2014/main" id="{D656BBF5-E27F-C032-608E-E9E421857147}"/>
+              </a:ext>
+            </a:extLst>
+          </p:cNvPr>
+          <p:cNvSpPr txBox="1"/>
+          <p:nvPr/>
+        </p:nvSpPr>
+        <p:spPr>
+          <a:xfrm>
+            <a:off x="242277" y="836246"/>
+            <a:ext cx="6705600" cy="369332"/>
+          </a:xfrm>
+          <a:prstGeom prst="rect">
+            <a:avLst/>
+          </a:prstGeom>
+          <a:noFill/>
+        </p:spPr>
+        <p:txBody>
+          <a:bodyPr wrap="square" rtlCol="0">
+            <a:spAutoFit/>
+          </a:bodyPr>
+          <a:lstStyle/>
+          <a:p>
+            <a:r>
+              <a:rPr lang="en-US" dirty="0"/>
+              <a:t>#6 clearance hole: .1495” free fit, round to .150” </a:t>
+            </a:r>
+          </a:p>
+        </p:txBody>
+      </p:sp>
+      <p:sp>
+        <p:nvSpPr>
+          <p:cNvPr id="11" name="TextBox 10">
+            <a:extLst>
+              <a:ext uri="{FF2B5EF4-FFF2-40B4-BE49-F238E27FC236}">
+                <a16:creationId xmlns:a16="http://schemas.microsoft.com/office/drawing/2014/main" id="{DBD75249-B67E-B85D-D007-BD2956517116}"/>
+              </a:ext>
+            </a:extLst>
+          </p:cNvPr>
+          <p:cNvSpPr txBox="1"/>
+          <p:nvPr/>
+        </p:nvSpPr>
+        <p:spPr>
+          <a:xfrm>
+            <a:off x="880898" y="6182161"/>
+            <a:ext cx="9143343" cy="369332"/>
+          </a:xfrm>
+          <a:prstGeom prst="rect">
+            <a:avLst/>
+          </a:prstGeom>
+          <a:noFill/>
+        </p:spPr>
+        <p:txBody>
+          <a:bodyPr wrap="square">
+            <a:spAutoFit/>
+          </a:bodyPr>
+          <a:lstStyle/>
+          <a:p>
+            <a:r>
+              <a:rPr lang="en-US" dirty="0">
+                <a:hlinkClick r:id="rId3"/>
+              </a:rPr>
+              <a:t>https://www.amazon.com/Stainless-Phillips-Screws-Multipurpose-TPOHH/dp/B0CHRWGT8N/</a:t>
+            </a:r>
+            <a:r>
+              <a:rPr lang="en-US" dirty="0"/>
+              <a:t> </a:t>
+            </a:r>
+          </a:p>
+        </p:txBody>
+      </p:sp>
+    </p:spTree>
+    <p:extLst>
+      <p:ext uri="{BB962C8B-B14F-4D97-AF65-F5344CB8AC3E}">
+        <p14:creationId xmlns:p14="http://schemas.microsoft.com/office/powerpoint/2010/main" val="3246972724"/>
+      </p:ext>
+    </p:extLst>
+  </p:cSld>
+  <p:clrMapOvr>
+    <a:masterClrMapping/>
+  </p:clrMapOvr>
+</p:sld>
+</file>
+
 <file path=ppt/slides/slide2.xml><?xml version="1.0" encoding="utf-8"?>
 <p:sld xmlns:a="http://schemas.openxmlformats.org/drawingml/2006/main" xmlns:r="http://schemas.openxmlformats.org/officeDocument/2006/relationships" xmlns:p="http://schemas.openxmlformats.org/presentationml/2006/main">
   <p:cSld>
@@ -3510,53 +3974,12 @@
           <a:chExt cx="0" cy="0"/>
         </a:xfrm>
       </p:grpSpPr>
-      <p:sp>
-        <p:nvSpPr>
-          <p:cNvPr id="5" name="TextBox 4">
-            <a:extLst>
-              <a:ext uri="{FF2B5EF4-FFF2-40B4-BE49-F238E27FC236}">
-                <a16:creationId xmlns:a16="http://schemas.microsoft.com/office/drawing/2014/main" id="{B3D589C7-5E96-0FF9-CCA4-2162211F0F3E}"/>
-              </a:ext>
-            </a:extLst>
-          </p:cNvPr>
-          <p:cNvSpPr txBox="1"/>
-          <p:nvPr/>
-        </p:nvSpPr>
-        <p:spPr>
-          <a:xfrm>
-            <a:off x="1203570" y="6309919"/>
-            <a:ext cx="6096000" cy="369332"/>
-          </a:xfrm>
-          <a:prstGeom prst="rect">
-            <a:avLst/>
-          </a:prstGeom>
-          <a:noFill/>
-        </p:spPr>
-        <p:txBody>
-          <a:bodyPr wrap="square">
-            <a:spAutoFit/>
-          </a:bodyPr>
-          <a:lstStyle/>
-          <a:p>
-            <a:r>
-              <a:rPr lang="en-US" dirty="0">
-                <a:hlinkClick r:id="rId2"/>
-              </a:rPr>
-              <a:t>https://www.ezlok.com/ezpress-insert-240-000-BR</a:t>
-            </a:r>
-            <a:r>
-              <a:rPr lang="en-US" dirty="0"/>
-              <a:t> </a:t>
-            </a:r>
-          </a:p>
-        </p:txBody>
-      </p:sp>
       <p:pic>
         <p:nvPicPr>
-          <p:cNvPr id="7" name="Picture 6">
-            <a:extLst>
-              <a:ext uri="{FF2B5EF4-FFF2-40B4-BE49-F238E27FC236}">
-                <a16:creationId xmlns:a16="http://schemas.microsoft.com/office/drawing/2014/main" id="{119C36F6-F04B-262F-F4B4-AA5C4DF179AD}"/>
+          <p:cNvPr id="5" name="Picture 4">
+            <a:extLst>
+              <a:ext uri="{FF2B5EF4-FFF2-40B4-BE49-F238E27FC236}">
+                <a16:creationId xmlns:a16="http://schemas.microsoft.com/office/drawing/2014/main" id="{AEE311E0-91A5-A40D-BF9A-5877691FFBF3}"/>
               </a:ext>
             </a:extLst>
           </p:cNvPr>
@@ -3566,66 +3989,25 @@
           <p:nvPr/>
         </p:nvPicPr>
         <p:blipFill>
-          <a:blip r:embed="rId3"/>
+          <a:blip r:embed="rId2"/>
           <a:stretch>
             <a:fillRect/>
           </a:stretch>
         </p:blipFill>
         <p:spPr>
           <a:xfrm>
-            <a:off x="985837" y="178749"/>
-            <a:ext cx="10220325" cy="5953125"/>
+            <a:off x="426878" y="518636"/>
+            <a:ext cx="10733491" cy="6089272"/>
           </a:xfrm>
           <a:prstGeom prst="rect">
             <a:avLst/>
           </a:prstGeom>
         </p:spPr>
       </p:pic>
-      <p:sp>
-        <p:nvSpPr>
-          <p:cNvPr id="9" name="TextBox 8">
-            <a:extLst>
-              <a:ext uri="{FF2B5EF4-FFF2-40B4-BE49-F238E27FC236}">
-                <a16:creationId xmlns:a16="http://schemas.microsoft.com/office/drawing/2014/main" id="{5F08DB71-C2E9-3050-D720-2B7FED9B69BA}"/>
-              </a:ext>
-            </a:extLst>
-          </p:cNvPr>
-          <p:cNvSpPr txBox="1"/>
-          <p:nvPr/>
-        </p:nvSpPr>
-        <p:spPr>
-          <a:xfrm>
-            <a:off x="4032738" y="5574565"/>
-            <a:ext cx="6096000" cy="646331"/>
-          </a:xfrm>
-          <a:prstGeom prst="rect">
-            <a:avLst/>
-          </a:prstGeom>
-          <a:noFill/>
-        </p:spPr>
-        <p:txBody>
-          <a:bodyPr wrap="square">
-            <a:spAutoFit/>
-          </a:bodyPr>
-          <a:lstStyle/>
-          <a:p>
-            <a:r>
-              <a:rPr lang="en-US" dirty="0">
-                <a:hlinkClick r:id="rId4"/>
-              </a:rPr>
-              <a:t>https://www.amazon.com/Z-LOK-Threaded-Insert-Plastic/dp/B08QJJDCW1/</a:t>
-            </a:r>
-            <a:r>
-              <a:rPr lang="en-US" dirty="0"/>
-              <a:t> </a:t>
-            </a:r>
-          </a:p>
-        </p:txBody>
-      </p:sp>
     </p:spTree>
     <p:extLst>
       <p:ext uri="{BB962C8B-B14F-4D97-AF65-F5344CB8AC3E}">
-        <p14:creationId xmlns:p14="http://schemas.microsoft.com/office/powerpoint/2010/main" val="1580634278"/>
+        <p14:creationId xmlns:p14="http://schemas.microsoft.com/office/powerpoint/2010/main" val="940900788"/>
       </p:ext>
     </p:extLst>
   </p:cSld>
@@ -3657,7 +4039,7 @@
           <p:cNvPr id="5" name="Picture 4">
             <a:extLst>
               <a:ext uri="{FF2B5EF4-FFF2-40B4-BE49-F238E27FC236}">
-                <a16:creationId xmlns:a16="http://schemas.microsoft.com/office/drawing/2014/main" id="{C16102E1-32EC-11C3-C8F8-07A78282CD00}"/>
+                <a16:creationId xmlns:a16="http://schemas.microsoft.com/office/drawing/2014/main" id="{8E254CDF-26E6-C216-787D-8BA00FF31A98}"/>
               </a:ext>
             </a:extLst>
           </p:cNvPr>
@@ -3673,9 +4055,128 @@
           </a:stretch>
         </p:blipFill>
         <p:spPr>
-          <a:xfrm>
-            <a:off x="3017693" y="0"/>
-            <a:ext cx="6012245" cy="6748585"/>
+          <a:xfrm rot="5400000">
+            <a:off x="1279567" y="2911308"/>
+            <a:ext cx="3880337" cy="2193493"/>
+          </a:xfrm>
+          <a:prstGeom prst="rect">
+            <a:avLst/>
+          </a:prstGeom>
+        </p:spPr>
+      </p:pic>
+      <p:pic>
+        <p:nvPicPr>
+          <p:cNvPr id="7" name="Picture 6">
+            <a:extLst>
+              <a:ext uri="{FF2B5EF4-FFF2-40B4-BE49-F238E27FC236}">
+                <a16:creationId xmlns:a16="http://schemas.microsoft.com/office/drawing/2014/main" id="{6BC27E9C-C65D-9BB1-6E7D-B66B44CFDCF5}"/>
+              </a:ext>
+            </a:extLst>
+          </p:cNvPr>
+          <p:cNvPicPr>
+            <a:picLocks noChangeAspect="1"/>
+          </p:cNvPicPr>
+          <p:nvPr/>
+        </p:nvPicPr>
+        <p:blipFill rotWithShape="1">
+          <a:blip r:embed="rId3"/>
+          <a:srcRect t="6886" b="2634"/>
+          <a:stretch/>
+        </p:blipFill>
+        <p:spPr>
+          <a:xfrm>
+            <a:off x="4924714" y="1906953"/>
+            <a:ext cx="2950894" cy="4041269"/>
+          </a:xfrm>
+          <a:prstGeom prst="rect">
+            <a:avLst/>
+          </a:prstGeom>
+        </p:spPr>
+      </p:pic>
+      <p:pic>
+        <p:nvPicPr>
+          <p:cNvPr id="9" name="Picture 8">
+            <a:extLst>
+              <a:ext uri="{FF2B5EF4-FFF2-40B4-BE49-F238E27FC236}">
+                <a16:creationId xmlns:a16="http://schemas.microsoft.com/office/drawing/2014/main" id="{B44D4FAC-8384-3C4D-0EE7-041C8D4DF051}"/>
+              </a:ext>
+            </a:extLst>
+          </p:cNvPr>
+          <p:cNvPicPr>
+            <a:picLocks noChangeAspect="1"/>
+          </p:cNvPicPr>
+          <p:nvPr/>
+        </p:nvPicPr>
+        <p:blipFill>
+          <a:blip r:embed="rId4"/>
+          <a:stretch>
+            <a:fillRect/>
+          </a:stretch>
+        </p:blipFill>
+        <p:spPr>
+          <a:xfrm>
+            <a:off x="319942" y="2163641"/>
+            <a:ext cx="1485900" cy="2343150"/>
+          </a:xfrm>
+          <a:prstGeom prst="rect">
+            <a:avLst/>
+          </a:prstGeom>
+        </p:spPr>
+      </p:pic>
+      <p:pic>
+        <p:nvPicPr>
+          <p:cNvPr id="11" name="Picture 10">
+            <a:extLst>
+              <a:ext uri="{FF2B5EF4-FFF2-40B4-BE49-F238E27FC236}">
+                <a16:creationId xmlns:a16="http://schemas.microsoft.com/office/drawing/2014/main" id="{1738448A-2A3F-A2C7-AC35-52A2B77CCA91}"/>
+              </a:ext>
+            </a:extLst>
+          </p:cNvPr>
+          <p:cNvPicPr>
+            <a:picLocks noChangeAspect="1"/>
+          </p:cNvPicPr>
+          <p:nvPr/>
+        </p:nvPicPr>
+        <p:blipFill>
+          <a:blip r:embed="rId5"/>
+          <a:stretch>
+            <a:fillRect/>
+          </a:stretch>
+        </p:blipFill>
+        <p:spPr>
+          <a:xfrm>
+            <a:off x="8483840" y="324205"/>
+            <a:ext cx="1924206" cy="3603382"/>
+          </a:xfrm>
+          <a:prstGeom prst="rect">
+            <a:avLst/>
+          </a:prstGeom>
+        </p:spPr>
+      </p:pic>
+      <p:pic>
+        <p:nvPicPr>
+          <p:cNvPr id="13" name="Picture 12">
+            <a:extLst>
+              <a:ext uri="{FF2B5EF4-FFF2-40B4-BE49-F238E27FC236}">
+                <a16:creationId xmlns:a16="http://schemas.microsoft.com/office/drawing/2014/main" id="{39611D10-3E2B-5EF2-9B6C-2DCC19DC85D8}"/>
+              </a:ext>
+            </a:extLst>
+          </p:cNvPr>
+          <p:cNvPicPr>
+            <a:picLocks noChangeAspect="1"/>
+          </p:cNvPicPr>
+          <p:nvPr/>
+        </p:nvPicPr>
+        <p:blipFill>
+          <a:blip r:embed="rId6"/>
+          <a:stretch>
+            <a:fillRect/>
+          </a:stretch>
+        </p:blipFill>
+        <p:spPr>
+          <a:xfrm>
+            <a:off x="8425715" y="4008054"/>
+            <a:ext cx="2393840" cy="2562731"/>
           </a:xfrm>
           <a:prstGeom prst="rect">
             <a:avLst/>
@@ -3685,7 +4186,7 @@
     </p:spTree>
     <p:extLst>
       <p:ext uri="{BB962C8B-B14F-4D97-AF65-F5344CB8AC3E}">
-        <p14:creationId xmlns:p14="http://schemas.microsoft.com/office/powerpoint/2010/main" val="3445873338"/>
+        <p14:creationId xmlns:p14="http://schemas.microsoft.com/office/powerpoint/2010/main" val="2412222929"/>
       </p:ext>
     </p:extLst>
   </p:cSld>
@@ -3712,53 +4213,75 @@
           <a:chExt cx="0" cy="0"/>
         </a:xfrm>
       </p:grpSpPr>
-      <p:sp>
-        <p:nvSpPr>
-          <p:cNvPr id="5" name="TextBox 4">
-            <a:extLst>
-              <a:ext uri="{FF2B5EF4-FFF2-40B4-BE49-F238E27FC236}">
-                <a16:creationId xmlns:a16="http://schemas.microsoft.com/office/drawing/2014/main" id="{0E380C1D-4047-2EA0-BFCB-8010AB62BFC0}"/>
-              </a:ext>
-            </a:extLst>
-          </p:cNvPr>
-          <p:cNvSpPr txBox="1"/>
-          <p:nvPr/>
-        </p:nvSpPr>
-        <p:spPr>
-          <a:xfrm>
-            <a:off x="1922585" y="6069819"/>
-            <a:ext cx="6096000" cy="646331"/>
-          </a:xfrm>
-          <a:prstGeom prst="rect">
-            <a:avLst/>
-          </a:prstGeom>
-          <a:noFill/>
-        </p:spPr>
-        <p:txBody>
-          <a:bodyPr wrap="square">
-            <a:spAutoFit/>
-          </a:bodyPr>
-          <a:lstStyle/>
-          <a:p>
-            <a:r>
-              <a:rPr lang="en-US" dirty="0">
-                <a:hlinkClick r:id="rId2"/>
-              </a:rPr>
-              <a:t>https://www.amazon.com/Phillips-Machine-Screws-Stainless-Thread/dp/B07D6L9M9G/</a:t>
-            </a:r>
-            <a:r>
-              <a:rPr lang="en-US" dirty="0"/>
-              <a:t> </a:t>
-            </a:r>
-          </a:p>
-        </p:txBody>
-      </p:sp>
+      <p:graphicFrame>
+        <p:nvGraphicFramePr>
+          <p:cNvPr id="5" name="Object 4">
+            <a:extLst>
+              <a:ext uri="{FF2B5EF4-FFF2-40B4-BE49-F238E27FC236}">
+                <a16:creationId xmlns:a16="http://schemas.microsoft.com/office/drawing/2014/main" id="{F034EE2B-1920-558A-7BEE-E0097D2E43CC}"/>
+              </a:ext>
+            </a:extLst>
+          </p:cNvPr>
+          <p:cNvGraphicFramePr>
+            <a:graphicFrameLocks noChangeAspect="1"/>
+          </p:cNvGraphicFramePr>
+          <p:nvPr>
+            <p:extLst>
+              <p:ext uri="{D42A27DB-BD31-4B8C-83A1-F6EECF244321}">
+                <p14:modId xmlns:p14="http://schemas.microsoft.com/office/powerpoint/2010/main" val="836532510"/>
+              </p:ext>
+            </p:extLst>
+          </p:nvPr>
+        </p:nvGraphicFramePr>
+        <p:xfrm>
+          <a:off x="2484438" y="1576388"/>
+          <a:ext cx="6534150" cy="2705100"/>
+        </p:xfrm>
+        <a:graphic>
+          <a:graphicData uri="http://schemas.openxmlformats.org/presentationml/2006/ole">
+            <mc:AlternateContent xmlns:mc="http://schemas.openxmlformats.org/markup-compatibility/2006">
+              <mc:Choice xmlns:v="urn:schemas-microsoft-com:vml" Requires="v">
+                <p:oleObj name="Worksheet" r:id="rId2" imgW="6534253" imgH="2705100" progId="Excel.Sheet.12">
+                  <p:embed/>
+                </p:oleObj>
+              </mc:Choice>
+              <mc:Fallback>
+                <p:oleObj name="Worksheet" r:id="rId2" imgW="6534253" imgH="2705100" progId="Excel.Sheet.12">
+                  <p:embed/>
+                  <p:pic>
+                    <p:nvPicPr>
+                      <p:cNvPr id="0" name=""/>
+                      <p:cNvPicPr/>
+                      <p:nvPr/>
+                    </p:nvPicPr>
+                    <p:blipFill>
+                      <a:blip r:embed="rId3"/>
+                      <a:stretch>
+                        <a:fillRect/>
+                      </a:stretch>
+                    </p:blipFill>
+                    <p:spPr>
+                      <a:xfrm>
+                        <a:off x="2484438" y="1576388"/>
+                        <a:ext cx="6534150" cy="2705100"/>
+                      </a:xfrm>
+                      <a:prstGeom prst="rect">
+                        <a:avLst/>
+                      </a:prstGeom>
+                    </p:spPr>
+                  </p:pic>
+                </p:oleObj>
+              </mc:Fallback>
+            </mc:AlternateContent>
+          </a:graphicData>
+        </a:graphic>
+      </p:graphicFrame>
       <p:pic>
         <p:nvPicPr>
-          <p:cNvPr id="7" name="Picture 6">
-            <a:extLst>
-              <a:ext uri="{FF2B5EF4-FFF2-40B4-BE49-F238E27FC236}">
-                <a16:creationId xmlns:a16="http://schemas.microsoft.com/office/drawing/2014/main" id="{3BB15CD6-30C7-7C7F-7449-B83D0A4D7278}"/>
+          <p:cNvPr id="6" name="Picture 5">
+            <a:extLst>
+              <a:ext uri="{FF2B5EF4-FFF2-40B4-BE49-F238E27FC236}">
+                <a16:creationId xmlns:a16="http://schemas.microsoft.com/office/drawing/2014/main" id="{FD0612FC-02CD-C2CA-E054-63AFC14E91A5}"/>
               </a:ext>
             </a:extLst>
           </p:cNvPr>
@@ -3768,15 +4291,45 @@
           <p:nvPr/>
         </p:nvPicPr>
         <p:blipFill>
-          <a:blip r:embed="rId3"/>
+          <a:blip r:embed="rId4"/>
           <a:stretch>
             <a:fillRect/>
           </a:stretch>
         </p:blipFill>
         <p:spPr>
           <a:xfrm>
-            <a:off x="1803955" y="614128"/>
-            <a:ext cx="8340415" cy="4696426"/>
+            <a:off x="9144730" y="1646840"/>
+            <a:ext cx="2393840" cy="2562731"/>
+          </a:xfrm>
+          <a:prstGeom prst="rect">
+            <a:avLst/>
+          </a:prstGeom>
+        </p:spPr>
+      </p:pic>
+      <p:pic>
+        <p:nvPicPr>
+          <p:cNvPr id="8" name="Picture 7">
+            <a:extLst>
+              <a:ext uri="{FF2B5EF4-FFF2-40B4-BE49-F238E27FC236}">
+                <a16:creationId xmlns:a16="http://schemas.microsoft.com/office/drawing/2014/main" id="{AE29040C-69C3-22E4-2967-3E55D21709E6}"/>
+              </a:ext>
+            </a:extLst>
+          </p:cNvPr>
+          <p:cNvPicPr>
+            <a:picLocks noChangeAspect="1"/>
+          </p:cNvPicPr>
+          <p:nvPr/>
+        </p:nvPicPr>
+        <p:blipFill>
+          <a:blip r:embed="rId5"/>
+          <a:stretch>
+            <a:fillRect/>
+          </a:stretch>
+        </p:blipFill>
+        <p:spPr>
+          <a:xfrm>
+            <a:off x="2298700" y="4414837"/>
+            <a:ext cx="6905625" cy="2295525"/>
           </a:xfrm>
           <a:prstGeom prst="rect">
             <a:avLst/>
@@ -3786,7 +4339,7 @@
     </p:spTree>
     <p:extLst>
       <p:ext uri="{BB962C8B-B14F-4D97-AF65-F5344CB8AC3E}">
-        <p14:creationId xmlns:p14="http://schemas.microsoft.com/office/powerpoint/2010/main" val="3536419976"/>
+        <p14:creationId xmlns:p14="http://schemas.microsoft.com/office/powerpoint/2010/main" val="2293911007"/>
       </p:ext>
     </p:extLst>
   </p:cSld>
@@ -3813,129 +4366,72 @@
           <a:chExt cx="0" cy="0"/>
         </a:xfrm>
       </p:grpSpPr>
-      <p:sp>
-        <p:nvSpPr>
-          <p:cNvPr id="5" name="TextBox 4">
-            <a:extLst>
-              <a:ext uri="{FF2B5EF4-FFF2-40B4-BE49-F238E27FC236}">
-                <a16:creationId xmlns:a16="http://schemas.microsoft.com/office/drawing/2014/main" id="{8D9D683E-CCB3-717E-DA5D-2F6F57137974}"/>
-              </a:ext>
-            </a:extLst>
-          </p:cNvPr>
-          <p:cNvSpPr txBox="1"/>
+      <p:pic>
+        <p:nvPicPr>
+          <p:cNvPr id="7" name="Picture 6">
+            <a:extLst>
+              <a:ext uri="{FF2B5EF4-FFF2-40B4-BE49-F238E27FC236}">
+                <a16:creationId xmlns:a16="http://schemas.microsoft.com/office/drawing/2014/main" id="{D10FF55C-F22C-8A80-7801-8BA721FE83B1}"/>
+              </a:ext>
+            </a:extLst>
+          </p:cNvPr>
+          <p:cNvPicPr>
+            <a:picLocks noChangeAspect="1"/>
+          </p:cNvPicPr>
           <p:nvPr/>
-        </p:nvSpPr>
-        <p:spPr>
-          <a:xfrm>
-            <a:off x="1891322" y="6308209"/>
-            <a:ext cx="8034215" cy="369332"/>
+        </p:nvPicPr>
+        <p:blipFill>
+          <a:blip r:embed="rId2"/>
+          <a:stretch>
+            <a:fillRect/>
+          </a:stretch>
+        </p:blipFill>
+        <p:spPr>
+          <a:xfrm>
+            <a:off x="54705" y="1814024"/>
+            <a:ext cx="1952625" cy="2276475"/>
           </a:xfrm>
           <a:prstGeom prst="rect">
             <a:avLst/>
           </a:prstGeom>
-          <a:noFill/>
-        </p:spPr>
-        <p:txBody>
-          <a:bodyPr wrap="square">
-            <a:spAutoFit/>
-          </a:bodyPr>
-          <a:lstStyle/>
-          <a:p>
-            <a:r>
-              <a:rPr lang="en-US" dirty="0">
-                <a:hlinkClick r:id="rId2"/>
-              </a:rPr>
-              <a:t>https://www.amazon.com/Z-LOK-Threaded-Insert-Plastic/dp/B08QJHXR7P/</a:t>
-            </a:r>
-            <a:r>
-              <a:rPr lang="en-US" dirty="0"/>
-              <a:t> </a:t>
-            </a:r>
-          </a:p>
-        </p:txBody>
-      </p:sp>
-      <p:sp>
-        <p:nvSpPr>
-          <p:cNvPr id="7" name="TextBox 6">
-            <a:extLst>
-              <a:ext uri="{FF2B5EF4-FFF2-40B4-BE49-F238E27FC236}">
-                <a16:creationId xmlns:a16="http://schemas.microsoft.com/office/drawing/2014/main" id="{AA930862-2472-DB56-F224-32F0AD9BE722}"/>
-              </a:ext>
-            </a:extLst>
-          </p:cNvPr>
-          <p:cNvSpPr txBox="1"/>
+        </p:spPr>
+      </p:pic>
+      <p:pic>
+        <p:nvPicPr>
+          <p:cNvPr id="9" name="Picture 8">
+            <a:extLst>
+              <a:ext uri="{FF2B5EF4-FFF2-40B4-BE49-F238E27FC236}">
+                <a16:creationId xmlns:a16="http://schemas.microsoft.com/office/drawing/2014/main" id="{9851705E-19DE-CA35-949D-4B163288346A}"/>
+              </a:ext>
+            </a:extLst>
+          </p:cNvPr>
+          <p:cNvPicPr>
+            <a:picLocks noChangeAspect="1"/>
+          </p:cNvPicPr>
           <p:nvPr/>
-        </p:nvSpPr>
-        <p:spPr>
-          <a:xfrm>
-            <a:off x="1891322" y="6123543"/>
-            <a:ext cx="6096000" cy="369332"/>
+        </p:nvPicPr>
+        <p:blipFill>
+          <a:blip r:embed="rId3"/>
+          <a:stretch>
+            <a:fillRect/>
+          </a:stretch>
+        </p:blipFill>
+        <p:spPr>
+          <a:xfrm>
+            <a:off x="1989361" y="1812681"/>
+            <a:ext cx="1905000" cy="2295525"/>
           </a:xfrm>
           <a:prstGeom prst="rect">
             <a:avLst/>
           </a:prstGeom>
-          <a:noFill/>
-        </p:spPr>
-        <p:txBody>
-          <a:bodyPr wrap="square">
-            <a:spAutoFit/>
-          </a:bodyPr>
-          <a:lstStyle/>
-          <a:p>
-            <a:r>
-              <a:rPr lang="en-US" dirty="0"/>
-              <a:t>E-Z Lok ‎240-004-BR </a:t>
-            </a:r>
-          </a:p>
-        </p:txBody>
-      </p:sp>
-      <p:sp>
-        <p:nvSpPr>
-          <p:cNvPr id="9" name="TextBox 8">
-            <a:extLst>
-              <a:ext uri="{FF2B5EF4-FFF2-40B4-BE49-F238E27FC236}">
-                <a16:creationId xmlns:a16="http://schemas.microsoft.com/office/drawing/2014/main" id="{050B46B3-9B78-0527-DB6E-86950B4207E6}"/>
-              </a:ext>
-            </a:extLst>
-          </p:cNvPr>
-          <p:cNvSpPr txBox="1"/>
-          <p:nvPr/>
-        </p:nvSpPr>
-        <p:spPr>
-          <a:xfrm>
-            <a:off x="1891322" y="5846544"/>
-            <a:ext cx="6096000" cy="369332"/>
-          </a:xfrm>
-          <a:prstGeom prst="rect">
-            <a:avLst/>
-          </a:prstGeom>
-          <a:noFill/>
-        </p:spPr>
-        <p:txBody>
-          <a:bodyPr wrap="square">
-            <a:spAutoFit/>
-          </a:bodyPr>
-          <a:lstStyle/>
-          <a:p>
-            <a:r>
-              <a:rPr lang="en-US" dirty="0">
-                <a:hlinkClick r:id="rId3"/>
-              </a:rPr>
-              <a:t>https://www.ezlok.com/ezpress-insert-240-004-BR</a:t>
-            </a:r>
-            <a:r>
-              <a:rPr lang="en-US" dirty="0"/>
-              <a:t> </a:t>
-            </a:r>
-          </a:p>
-        </p:txBody>
-      </p:sp>
+        </p:spPr>
+      </p:pic>
       <p:pic>
         <p:nvPicPr>
           <p:cNvPr id="11" name="Picture 10">
             <a:extLst>
               <a:ext uri="{FF2B5EF4-FFF2-40B4-BE49-F238E27FC236}">
-                <a16:creationId xmlns:a16="http://schemas.microsoft.com/office/drawing/2014/main" id="{E1597A6A-18BA-C07B-91C5-B3D6E3A53B47}"/>
+                <a16:creationId xmlns:a16="http://schemas.microsoft.com/office/drawing/2014/main" id="{FCDFDCCA-2F5A-80A3-C9A1-39F9FFC4F9DF}"/>
               </a:ext>
             </a:extLst>
           </p:cNvPr>
@@ -3952,20 +4448,110 @@
         </p:blipFill>
         <p:spPr>
           <a:xfrm>
-            <a:off x="6967346" y="365125"/>
-            <a:ext cx="4544715" cy="5873170"/>
+            <a:off x="3930156" y="1814024"/>
+            <a:ext cx="1838325" cy="2257425"/>
           </a:xfrm>
           <a:prstGeom prst="rect">
             <a:avLst/>
           </a:prstGeom>
         </p:spPr>
       </p:pic>
-      <p:sp>
-        <p:nvSpPr>
-          <p:cNvPr id="12" name="TextBox 11">
-            <a:extLst>
-              <a:ext uri="{FF2B5EF4-FFF2-40B4-BE49-F238E27FC236}">
-                <a16:creationId xmlns:a16="http://schemas.microsoft.com/office/drawing/2014/main" id="{BDDE086E-5E2F-2494-BA04-63B100552389}"/>
+      <p:pic>
+        <p:nvPicPr>
+          <p:cNvPr id="13" name="Picture 12">
+            <a:extLst>
+              <a:ext uri="{FF2B5EF4-FFF2-40B4-BE49-F238E27FC236}">
+                <a16:creationId xmlns:a16="http://schemas.microsoft.com/office/drawing/2014/main" id="{CCCA7BA3-2FC3-315D-6C4E-CADAFD31DF2A}"/>
+              </a:ext>
+            </a:extLst>
+          </p:cNvPr>
+          <p:cNvPicPr>
+            <a:picLocks noChangeAspect="1"/>
+          </p:cNvPicPr>
+          <p:nvPr/>
+        </p:nvPicPr>
+        <p:blipFill>
+          <a:blip r:embed="rId5"/>
+          <a:stretch>
+            <a:fillRect/>
+          </a:stretch>
+        </p:blipFill>
+        <p:spPr>
+          <a:xfrm>
+            <a:off x="5854452" y="1814024"/>
+            <a:ext cx="1895475" cy="2228850"/>
+          </a:xfrm>
+          <a:prstGeom prst="rect">
+            <a:avLst/>
+          </a:prstGeom>
+        </p:spPr>
+      </p:pic>
+      <p:pic>
+        <p:nvPicPr>
+          <p:cNvPr id="15" name="Picture 14">
+            <a:extLst>
+              <a:ext uri="{FF2B5EF4-FFF2-40B4-BE49-F238E27FC236}">
+                <a16:creationId xmlns:a16="http://schemas.microsoft.com/office/drawing/2014/main" id="{35522AD7-4067-E037-8D59-3B31F46ED478}"/>
+              </a:ext>
+            </a:extLst>
+          </p:cNvPr>
+          <p:cNvPicPr>
+            <a:picLocks noChangeAspect="1"/>
+          </p:cNvPicPr>
+          <p:nvPr/>
+        </p:nvPicPr>
+        <p:blipFill>
+          <a:blip r:embed="rId6"/>
+          <a:stretch>
+            <a:fillRect/>
+          </a:stretch>
+        </p:blipFill>
+        <p:spPr>
+          <a:xfrm>
+            <a:off x="7882790" y="1828311"/>
+            <a:ext cx="1943100" cy="2228850"/>
+          </a:xfrm>
+          <a:prstGeom prst="rect">
+            <a:avLst/>
+          </a:prstGeom>
+        </p:spPr>
+      </p:pic>
+      <p:pic>
+        <p:nvPicPr>
+          <p:cNvPr id="17" name="Picture 16">
+            <a:extLst>
+              <a:ext uri="{FF2B5EF4-FFF2-40B4-BE49-F238E27FC236}">
+                <a16:creationId xmlns:a16="http://schemas.microsoft.com/office/drawing/2014/main" id="{24ABBF32-E74C-4230-CE32-6B985D857793}"/>
+              </a:ext>
+            </a:extLst>
+          </p:cNvPr>
+          <p:cNvPicPr>
+            <a:picLocks noChangeAspect="1"/>
+          </p:cNvPicPr>
+          <p:nvPr/>
+        </p:nvPicPr>
+        <p:blipFill>
+          <a:blip r:embed="rId7"/>
+          <a:stretch>
+            <a:fillRect/>
+          </a:stretch>
+        </p:blipFill>
+        <p:spPr>
+          <a:xfrm>
+            <a:off x="9992090" y="1828311"/>
+            <a:ext cx="1914525" cy="2181225"/>
+          </a:xfrm>
+          <a:prstGeom prst="rect">
+            <a:avLst/>
+          </a:prstGeom>
+        </p:spPr>
+      </p:pic>
+      <p:sp>
+        <p:nvSpPr>
+          <p:cNvPr id="18" name="TextBox 17">
+            <a:extLst>
+              <a:ext uri="{FF2B5EF4-FFF2-40B4-BE49-F238E27FC236}">
+                <a16:creationId xmlns:a16="http://schemas.microsoft.com/office/drawing/2014/main" id="{CA6D2B89-27CF-E37C-54BF-266EC781EA43}"/>
               </a:ext>
             </a:extLst>
           </p:cNvPr>
@@ -3974,8 +4560,8 @@
         </p:nvSpPr>
         <p:spPr>
           <a:xfrm>
-            <a:off x="1568669" y="1773621"/>
-            <a:ext cx="4280338" cy="646331"/>
+            <a:off x="678207" y="945662"/>
+            <a:ext cx="508000" cy="1015663"/>
           </a:xfrm>
           <a:prstGeom prst="rect">
             <a:avLst/>
@@ -3989,22 +4575,341 @@
           <a:lstStyle/>
           <a:p>
             <a:r>
-              <a:rPr lang="en-US" dirty="0"/>
-              <a:t>Hole depth: 0.188” = 4.7752 mm</a:t>
-            </a:r>
-          </a:p>
-          <a:p>
-            <a:r>
-              <a:rPr lang="en-US" dirty="0"/>
-              <a:t>Hole width: 0.156” = 3.9624 mm</a:t>
-            </a:r>
-          </a:p>
-        </p:txBody>
-      </p:sp>
+              <a:rPr lang="en-US" sz="6000" dirty="0"/>
+              <a:t>1</a:t>
+            </a:r>
+            <a:endParaRPr lang="en-US" dirty="0"/>
+          </a:p>
+        </p:txBody>
+      </p:sp>
+      <p:sp>
+        <p:nvSpPr>
+          <p:cNvPr id="19" name="TextBox 18">
+            <a:extLst>
+              <a:ext uri="{FF2B5EF4-FFF2-40B4-BE49-F238E27FC236}">
+                <a16:creationId xmlns:a16="http://schemas.microsoft.com/office/drawing/2014/main" id="{09741F09-E8D9-AB36-A320-D16436A82E38}"/>
+              </a:ext>
+            </a:extLst>
+          </p:cNvPr>
+          <p:cNvSpPr txBox="1"/>
+          <p:nvPr/>
+        </p:nvSpPr>
+        <p:spPr>
+          <a:xfrm>
+            <a:off x="2619002" y="945661"/>
+            <a:ext cx="508000" cy="1015663"/>
+          </a:xfrm>
+          <a:prstGeom prst="rect">
+            <a:avLst/>
+          </a:prstGeom>
+          <a:noFill/>
+        </p:spPr>
+        <p:txBody>
+          <a:bodyPr wrap="square" rtlCol="0">
+            <a:spAutoFit/>
+          </a:bodyPr>
+          <a:lstStyle/>
+          <a:p>
+            <a:r>
+              <a:rPr lang="en-US" sz="6000" dirty="0"/>
+              <a:t>2</a:t>
+            </a:r>
+            <a:endParaRPr lang="en-US" dirty="0"/>
+          </a:p>
+        </p:txBody>
+      </p:sp>
+      <p:sp>
+        <p:nvSpPr>
+          <p:cNvPr id="20" name="TextBox 19">
+            <a:extLst>
+              <a:ext uri="{FF2B5EF4-FFF2-40B4-BE49-F238E27FC236}">
+                <a16:creationId xmlns:a16="http://schemas.microsoft.com/office/drawing/2014/main" id="{91C6D866-511D-FB1F-558B-13A6BE2AF1D0}"/>
+              </a:ext>
+            </a:extLst>
+          </p:cNvPr>
+          <p:cNvSpPr txBox="1"/>
+          <p:nvPr/>
+        </p:nvSpPr>
+        <p:spPr>
+          <a:xfrm>
+            <a:off x="4496086" y="945660"/>
+            <a:ext cx="508000" cy="1015663"/>
+          </a:xfrm>
+          <a:prstGeom prst="rect">
+            <a:avLst/>
+          </a:prstGeom>
+          <a:noFill/>
+        </p:spPr>
+        <p:txBody>
+          <a:bodyPr wrap="square" rtlCol="0">
+            <a:spAutoFit/>
+          </a:bodyPr>
+          <a:lstStyle/>
+          <a:p>
+            <a:r>
+              <a:rPr lang="en-US" sz="6000" dirty="0"/>
+              <a:t>3</a:t>
+            </a:r>
+            <a:endParaRPr lang="en-US" dirty="0"/>
+          </a:p>
+        </p:txBody>
+      </p:sp>
+      <p:sp>
+        <p:nvSpPr>
+          <p:cNvPr id="21" name="TextBox 20">
+            <a:extLst>
+              <a:ext uri="{FF2B5EF4-FFF2-40B4-BE49-F238E27FC236}">
+                <a16:creationId xmlns:a16="http://schemas.microsoft.com/office/drawing/2014/main" id="{0EA4540F-F6EF-A38E-23CE-1E24759C2FA7}"/>
+              </a:ext>
+            </a:extLst>
+          </p:cNvPr>
+          <p:cNvSpPr txBox="1"/>
+          <p:nvPr/>
+        </p:nvSpPr>
+        <p:spPr>
+          <a:xfrm>
+            <a:off x="6454752" y="945659"/>
+            <a:ext cx="508000" cy="1015663"/>
+          </a:xfrm>
+          <a:prstGeom prst="rect">
+            <a:avLst/>
+          </a:prstGeom>
+          <a:noFill/>
+        </p:spPr>
+        <p:txBody>
+          <a:bodyPr wrap="square" rtlCol="0">
+            <a:spAutoFit/>
+          </a:bodyPr>
+          <a:lstStyle/>
+          <a:p>
+            <a:r>
+              <a:rPr lang="en-US" sz="6000" dirty="0"/>
+              <a:t>4</a:t>
+            </a:r>
+            <a:endParaRPr lang="en-US" dirty="0"/>
+          </a:p>
+        </p:txBody>
+      </p:sp>
+      <p:sp>
+        <p:nvSpPr>
+          <p:cNvPr id="22" name="TextBox 21">
+            <a:extLst>
+              <a:ext uri="{FF2B5EF4-FFF2-40B4-BE49-F238E27FC236}">
+                <a16:creationId xmlns:a16="http://schemas.microsoft.com/office/drawing/2014/main" id="{128E6F89-E23F-D937-5DCA-963B3BE8BB96}"/>
+              </a:ext>
+            </a:extLst>
+          </p:cNvPr>
+          <p:cNvSpPr txBox="1"/>
+          <p:nvPr/>
+        </p:nvSpPr>
+        <p:spPr>
+          <a:xfrm>
+            <a:off x="8458888" y="945658"/>
+            <a:ext cx="508000" cy="1015663"/>
+          </a:xfrm>
+          <a:prstGeom prst="rect">
+            <a:avLst/>
+          </a:prstGeom>
+          <a:noFill/>
+        </p:spPr>
+        <p:txBody>
+          <a:bodyPr wrap="square" rtlCol="0">
+            <a:spAutoFit/>
+          </a:bodyPr>
+          <a:lstStyle/>
+          <a:p>
+            <a:r>
+              <a:rPr lang="en-US" sz="6000" dirty="0"/>
+              <a:t>5</a:t>
+            </a:r>
+            <a:endParaRPr lang="en-US" dirty="0"/>
+          </a:p>
+        </p:txBody>
+      </p:sp>
+      <p:sp>
+        <p:nvSpPr>
+          <p:cNvPr id="23" name="TextBox 22">
+            <a:extLst>
+              <a:ext uri="{FF2B5EF4-FFF2-40B4-BE49-F238E27FC236}">
+                <a16:creationId xmlns:a16="http://schemas.microsoft.com/office/drawing/2014/main" id="{50832E59-5851-5CDF-6361-70FAD0850A05}"/>
+              </a:ext>
+            </a:extLst>
+          </p:cNvPr>
+          <p:cNvSpPr txBox="1"/>
+          <p:nvPr/>
+        </p:nvSpPr>
+        <p:spPr>
+          <a:xfrm>
+            <a:off x="10707186" y="945657"/>
+            <a:ext cx="508000" cy="1015663"/>
+          </a:xfrm>
+          <a:prstGeom prst="rect">
+            <a:avLst/>
+          </a:prstGeom>
+          <a:noFill/>
+        </p:spPr>
+        <p:txBody>
+          <a:bodyPr wrap="square" rtlCol="0">
+            <a:spAutoFit/>
+          </a:bodyPr>
+          <a:lstStyle/>
+          <a:p>
+            <a:r>
+              <a:rPr lang="en-US" sz="6000" dirty="0"/>
+              <a:t>6</a:t>
+            </a:r>
+            <a:endParaRPr lang="en-US" dirty="0"/>
+          </a:p>
+        </p:txBody>
+      </p:sp>
+      <p:pic>
+        <p:nvPicPr>
+          <p:cNvPr id="24" name="Picture 23">
+            <a:extLst>
+              <a:ext uri="{FF2B5EF4-FFF2-40B4-BE49-F238E27FC236}">
+                <a16:creationId xmlns:a16="http://schemas.microsoft.com/office/drawing/2014/main" id="{559A1032-6610-9260-A31C-E1083AC53B1B}"/>
+              </a:ext>
+            </a:extLst>
+          </p:cNvPr>
+          <p:cNvPicPr>
+            <a:picLocks noChangeAspect="1"/>
+          </p:cNvPicPr>
+          <p:nvPr/>
+        </p:nvPicPr>
+        <p:blipFill>
+          <a:blip r:embed="rId8"/>
+          <a:stretch>
+            <a:fillRect/>
+          </a:stretch>
+        </p:blipFill>
+        <p:spPr>
+          <a:xfrm>
+            <a:off x="116742" y="4273795"/>
+            <a:ext cx="1485900" cy="2343150"/>
+          </a:xfrm>
+          <a:prstGeom prst="rect">
+            <a:avLst/>
+          </a:prstGeom>
+        </p:spPr>
+      </p:pic>
+      <p:sp>
+        <p:nvSpPr>
+          <p:cNvPr id="25" name="Rectangle 24">
+            <a:extLst>
+              <a:ext uri="{FF2B5EF4-FFF2-40B4-BE49-F238E27FC236}">
+                <a16:creationId xmlns:a16="http://schemas.microsoft.com/office/drawing/2014/main" id="{D8E7F0C7-28C0-0805-7E1D-B01D023C6E02}"/>
+              </a:ext>
+            </a:extLst>
+          </p:cNvPr>
+          <p:cNvSpPr/>
+          <p:nvPr/>
+        </p:nvSpPr>
+        <p:spPr>
+          <a:xfrm>
+            <a:off x="116742" y="1828311"/>
+            <a:ext cx="11700120" cy="219320"/>
+          </a:xfrm>
+          <a:prstGeom prst="rect">
+            <a:avLst/>
+          </a:prstGeom>
+          <a:solidFill>
+            <a:srgbClr val="00B050">
+              <a:alpha val="41000"/>
+            </a:srgbClr>
+          </a:solidFill>
+          <a:ln>
+            <a:noFill/>
+          </a:ln>
+        </p:spPr>
+        <p:style>
+          <a:lnRef idx="2">
+            <a:schemeClr val="accent1">
+              <a:shade val="15000"/>
+            </a:schemeClr>
+          </a:lnRef>
+          <a:fillRef idx="1">
+            <a:schemeClr val="accent1"/>
+          </a:fillRef>
+          <a:effectRef idx="0">
+            <a:schemeClr val="accent1"/>
+          </a:effectRef>
+          <a:fontRef idx="minor">
+            <a:schemeClr val="lt1"/>
+          </a:fontRef>
+        </p:style>
+        <p:txBody>
+          <a:bodyPr rtlCol="0" anchor="ctr"/>
+          <a:lstStyle/>
+          <a:p>
+            <a:pPr algn="ctr"/>
+            <a:endParaRPr lang="en-US"/>
+          </a:p>
+        </p:txBody>
+      </p:sp>
+      <p:pic>
+        <p:nvPicPr>
+          <p:cNvPr id="26" name="Picture 25">
+            <a:extLst>
+              <a:ext uri="{FF2B5EF4-FFF2-40B4-BE49-F238E27FC236}">
+                <a16:creationId xmlns:a16="http://schemas.microsoft.com/office/drawing/2014/main" id="{18D74214-29E5-1A8C-B752-5083EAA21352}"/>
+              </a:ext>
+            </a:extLst>
+          </p:cNvPr>
+          <p:cNvPicPr>
+            <a:picLocks noChangeAspect="1"/>
+          </p:cNvPicPr>
+          <p:nvPr/>
+        </p:nvPicPr>
+        <p:blipFill>
+          <a:blip r:embed="rId9"/>
+          <a:stretch>
+            <a:fillRect/>
+          </a:stretch>
+        </p:blipFill>
+        <p:spPr>
+          <a:xfrm>
+            <a:off x="2305164" y="4242000"/>
+            <a:ext cx="2393840" cy="2562731"/>
+          </a:xfrm>
+          <a:prstGeom prst="rect">
+            <a:avLst/>
+          </a:prstGeom>
+        </p:spPr>
+      </p:pic>
+      <p:pic>
+        <p:nvPicPr>
+          <p:cNvPr id="28" name="Picture 27">
+            <a:extLst>
+              <a:ext uri="{FF2B5EF4-FFF2-40B4-BE49-F238E27FC236}">
+                <a16:creationId xmlns:a16="http://schemas.microsoft.com/office/drawing/2014/main" id="{195F2AF5-18A5-06DD-EF2F-4433E980E095}"/>
+              </a:ext>
+            </a:extLst>
+          </p:cNvPr>
+          <p:cNvPicPr>
+            <a:picLocks noChangeAspect="1"/>
+          </p:cNvPicPr>
+          <p:nvPr/>
+        </p:nvPicPr>
+        <p:blipFill>
+          <a:blip r:embed="rId10"/>
+          <a:stretch>
+            <a:fillRect/>
+          </a:stretch>
+        </p:blipFill>
+        <p:spPr>
+          <a:xfrm>
+            <a:off x="5000990" y="4242000"/>
+            <a:ext cx="6905625" cy="2295525"/>
+          </a:xfrm>
+          <a:prstGeom prst="rect">
+            <a:avLst/>
+          </a:prstGeom>
+        </p:spPr>
+      </p:pic>
     </p:spTree>
     <p:extLst>
       <p:ext uri="{BB962C8B-B14F-4D97-AF65-F5344CB8AC3E}">
-        <p14:creationId xmlns:p14="http://schemas.microsoft.com/office/powerpoint/2010/main" val="4172350872"/>
+        <p14:creationId xmlns:p14="http://schemas.microsoft.com/office/powerpoint/2010/main" val="1009156474"/>
       </p:ext>
     </p:extLst>
   </p:cSld>
@@ -4031,12 +4936,53 @@
           <a:chExt cx="0" cy="0"/>
         </a:xfrm>
       </p:grpSpPr>
+      <p:sp>
+        <p:nvSpPr>
+          <p:cNvPr id="5" name="TextBox 4">
+            <a:extLst>
+              <a:ext uri="{FF2B5EF4-FFF2-40B4-BE49-F238E27FC236}">
+                <a16:creationId xmlns:a16="http://schemas.microsoft.com/office/drawing/2014/main" id="{B3D589C7-5E96-0FF9-CCA4-2162211F0F3E}"/>
+              </a:ext>
+            </a:extLst>
+          </p:cNvPr>
+          <p:cNvSpPr txBox="1"/>
+          <p:nvPr/>
+        </p:nvSpPr>
+        <p:spPr>
+          <a:xfrm>
+            <a:off x="1203570" y="6309919"/>
+            <a:ext cx="6096000" cy="369332"/>
+          </a:xfrm>
+          <a:prstGeom prst="rect">
+            <a:avLst/>
+          </a:prstGeom>
+          <a:noFill/>
+        </p:spPr>
+        <p:txBody>
+          <a:bodyPr wrap="square">
+            <a:spAutoFit/>
+          </a:bodyPr>
+          <a:lstStyle/>
+          <a:p>
+            <a:r>
+              <a:rPr lang="en-US" dirty="0">
+                <a:hlinkClick r:id="rId2"/>
+              </a:rPr>
+              <a:t>https://www.ezlok.com/ezpress-insert-240-000-BR</a:t>
+            </a:r>
+            <a:r>
+              <a:rPr lang="en-US" dirty="0"/>
+              <a:t> </a:t>
+            </a:r>
+          </a:p>
+        </p:txBody>
+      </p:sp>
       <p:pic>
         <p:nvPicPr>
-          <p:cNvPr id="5" name="Picture 4">
-            <a:extLst>
-              <a:ext uri="{FF2B5EF4-FFF2-40B4-BE49-F238E27FC236}">
-                <a16:creationId xmlns:a16="http://schemas.microsoft.com/office/drawing/2014/main" id="{56C1B009-4D4E-4C24-2065-1CF33E7DC0CC}"/>
+          <p:cNvPr id="7" name="Picture 6">
+            <a:extLst>
+              <a:ext uri="{FF2B5EF4-FFF2-40B4-BE49-F238E27FC236}">
+                <a16:creationId xmlns:a16="http://schemas.microsoft.com/office/drawing/2014/main" id="{119C36F6-F04B-262F-F4B4-AA5C4DF179AD}"/>
               </a:ext>
             </a:extLst>
           </p:cNvPr>
@@ -4046,15 +4992,15 @@
           <p:nvPr/>
         </p:nvPicPr>
         <p:blipFill>
-          <a:blip r:embed="rId2"/>
+          <a:blip r:embed="rId3"/>
           <a:stretch>
             <a:fillRect/>
           </a:stretch>
         </p:blipFill>
         <p:spPr>
           <a:xfrm>
-            <a:off x="922216" y="394921"/>
-            <a:ext cx="10120923" cy="4799453"/>
+            <a:off x="985837" y="178749"/>
+            <a:ext cx="10220325" cy="5953125"/>
           </a:xfrm>
           <a:prstGeom prst="rect">
             <a:avLst/>
@@ -4063,10 +5009,10 @@
       </p:pic>
       <p:sp>
         <p:nvSpPr>
-          <p:cNvPr id="7" name="TextBox 6">
-            <a:extLst>
-              <a:ext uri="{FF2B5EF4-FFF2-40B4-BE49-F238E27FC236}">
-                <a16:creationId xmlns:a16="http://schemas.microsoft.com/office/drawing/2014/main" id="{D68A2BA7-4513-2096-0787-98C1BFDF7D05}"/>
+          <p:cNvPr id="9" name="TextBox 8">
+            <a:extLst>
+              <a:ext uri="{FF2B5EF4-FFF2-40B4-BE49-F238E27FC236}">
+                <a16:creationId xmlns:a16="http://schemas.microsoft.com/office/drawing/2014/main" id="{5F08DB71-C2E9-3050-D720-2B7FED9B69BA}"/>
               </a:ext>
             </a:extLst>
           </p:cNvPr>
@@ -4075,7 +5021,7 @@
         </p:nvSpPr>
         <p:spPr>
           <a:xfrm>
-            <a:off x="2219570" y="5366435"/>
+            <a:off x="4032738" y="5574565"/>
             <a:ext cx="6096000" cy="646331"/>
           </a:xfrm>
           <a:prstGeom prst="rect">
@@ -4091,9 +5037,9 @@
           <a:p>
             <a:r>
               <a:rPr lang="en-US" dirty="0">
-                <a:hlinkClick r:id="rId3"/>
+                <a:hlinkClick r:id="rId4"/>
               </a:rPr>
-              <a:t>https://www.amazon.com/Stainless-Available-Machine-Screws-Phillips/dp/B07B3XQ5Y2/</a:t>
+              <a:t>https://www.amazon.com/Z-LOK-Threaded-Insert-Plastic/dp/B08QJJDCW1/</a:t>
             </a:r>
             <a:r>
               <a:rPr lang="en-US" dirty="0"/>
@@ -4105,7 +5051,7 @@
     </p:spTree>
     <p:extLst>
       <p:ext uri="{BB962C8B-B14F-4D97-AF65-F5344CB8AC3E}">
-        <p14:creationId xmlns:p14="http://schemas.microsoft.com/office/powerpoint/2010/main" val="679030462"/>
+        <p14:creationId xmlns:p14="http://schemas.microsoft.com/office/powerpoint/2010/main" val="1580634278"/>
       </p:ext>
     </p:extLst>
   </p:cSld>
@@ -4134,10 +5080,10 @@
       </p:grpSpPr>
       <p:pic>
         <p:nvPicPr>
-          <p:cNvPr id="9" name="Picture 8">
-            <a:extLst>
-              <a:ext uri="{FF2B5EF4-FFF2-40B4-BE49-F238E27FC236}">
-                <a16:creationId xmlns:a16="http://schemas.microsoft.com/office/drawing/2014/main" id="{597A77F2-37BF-20D2-5198-054DF8F8B292}"/>
+          <p:cNvPr id="5" name="Picture 4">
+            <a:extLst>
+              <a:ext uri="{FF2B5EF4-FFF2-40B4-BE49-F238E27FC236}">
+                <a16:creationId xmlns:a16="http://schemas.microsoft.com/office/drawing/2014/main" id="{C16102E1-32EC-11C3-C8F8-07A78282CD00}"/>
               </a:ext>
             </a:extLst>
           </p:cNvPr>
@@ -4154,20 +5100,50 @@
         </p:blipFill>
         <p:spPr>
           <a:xfrm>
-            <a:off x="3032460" y="491173"/>
-            <a:ext cx="7612160" cy="5421838"/>
+            <a:off x="3017693" y="0"/>
+            <a:ext cx="6012245" cy="6748585"/>
           </a:xfrm>
           <a:prstGeom prst="rect">
             <a:avLst/>
           </a:prstGeom>
         </p:spPr>
       </p:pic>
-      <p:sp>
-        <p:nvSpPr>
-          <p:cNvPr id="4" name="TextBox 3">
-            <a:extLst>
-              <a:ext uri="{FF2B5EF4-FFF2-40B4-BE49-F238E27FC236}">
-                <a16:creationId xmlns:a16="http://schemas.microsoft.com/office/drawing/2014/main" id="{D656BBF5-E27F-C032-608E-E9E421857147}"/>
+    </p:spTree>
+    <p:extLst>
+      <p:ext uri="{BB962C8B-B14F-4D97-AF65-F5344CB8AC3E}">
+        <p14:creationId xmlns:p14="http://schemas.microsoft.com/office/powerpoint/2010/main" val="3445873338"/>
+      </p:ext>
+    </p:extLst>
+  </p:cSld>
+  <p:clrMapOvr>
+    <a:masterClrMapping/>
+  </p:clrMapOvr>
+</p:sld>
+</file>
+
+<file path=ppt/slides/slide9.xml><?xml version="1.0" encoding="utf-8"?>
+<p:sld xmlns:a="http://schemas.openxmlformats.org/drawingml/2006/main" xmlns:r="http://schemas.openxmlformats.org/officeDocument/2006/relationships" xmlns:p="http://schemas.openxmlformats.org/presentationml/2006/main">
+  <p:cSld>
+    <p:spTree>
+      <p:nvGrpSpPr>
+        <p:cNvPr id="1" name=""/>
+        <p:cNvGrpSpPr/>
+        <p:nvPr/>
+      </p:nvGrpSpPr>
+      <p:grpSpPr>
+        <a:xfrm>
+          <a:off x="0" y="0"/>
+          <a:ext cx="0" cy="0"/>
+          <a:chOff x="0" y="0"/>
+          <a:chExt cx="0" cy="0"/>
+        </a:xfrm>
+      </p:grpSpPr>
+      <p:sp>
+        <p:nvSpPr>
+          <p:cNvPr id="5" name="TextBox 4">
+            <a:extLst>
+              <a:ext uri="{FF2B5EF4-FFF2-40B4-BE49-F238E27FC236}">
+                <a16:creationId xmlns:a16="http://schemas.microsoft.com/office/drawing/2014/main" id="{0E380C1D-4047-2EA0-BFCB-8010AB62BFC0}"/>
               </a:ext>
             </a:extLst>
           </p:cNvPr>
@@ -4176,8 +5152,8 @@
         </p:nvSpPr>
         <p:spPr>
           <a:xfrm>
-            <a:off x="242277" y="836246"/>
-            <a:ext cx="6705600" cy="369332"/>
+            <a:off x="1922585" y="6069819"/>
+            <a:ext cx="6096000" cy="646331"/>
           </a:xfrm>
           <a:prstGeom prst="rect">
             <a:avLst/>
@@ -4185,63 +5161,58 @@
           <a:noFill/>
         </p:spPr>
         <p:txBody>
-          <a:bodyPr wrap="square" rtlCol="0">
+          <a:bodyPr wrap="square">
             <a:spAutoFit/>
           </a:bodyPr>
           <a:lstStyle/>
           <a:p>
             <a:r>
+              <a:rPr lang="en-US" dirty="0">
+                <a:hlinkClick r:id="rId2"/>
+              </a:rPr>
+              <a:t>https://www.amazon.com/Phillips-Machine-Screws-Stainless-Thread/dp/B07D6L9M9G/</a:t>
+            </a:r>
+            <a:r>
               <a:rPr lang="en-US" dirty="0"/>
-              <a:t>#6 clearance hole: .1495” free fit, round to .150” </a:t>
-            </a:r>
-          </a:p>
-        </p:txBody>
-      </p:sp>
-      <p:sp>
-        <p:nvSpPr>
-          <p:cNvPr id="11" name="TextBox 10">
-            <a:extLst>
-              <a:ext uri="{FF2B5EF4-FFF2-40B4-BE49-F238E27FC236}">
-                <a16:creationId xmlns:a16="http://schemas.microsoft.com/office/drawing/2014/main" id="{DBD75249-B67E-B85D-D007-BD2956517116}"/>
-              </a:ext>
-            </a:extLst>
-          </p:cNvPr>
-          <p:cNvSpPr txBox="1"/>
+              <a:t> </a:t>
+            </a:r>
+          </a:p>
+        </p:txBody>
+      </p:sp>
+      <p:pic>
+        <p:nvPicPr>
+          <p:cNvPr id="7" name="Picture 6">
+            <a:extLst>
+              <a:ext uri="{FF2B5EF4-FFF2-40B4-BE49-F238E27FC236}">
+                <a16:creationId xmlns:a16="http://schemas.microsoft.com/office/drawing/2014/main" id="{3BB15CD6-30C7-7C7F-7449-B83D0A4D7278}"/>
+              </a:ext>
+            </a:extLst>
+          </p:cNvPr>
+          <p:cNvPicPr>
+            <a:picLocks noChangeAspect="1"/>
+          </p:cNvPicPr>
           <p:nvPr/>
-        </p:nvSpPr>
-        <p:spPr>
-          <a:xfrm>
-            <a:off x="880898" y="6182161"/>
-            <a:ext cx="9143343" cy="369332"/>
+        </p:nvPicPr>
+        <p:blipFill>
+          <a:blip r:embed="rId3"/>
+          <a:stretch>
+            <a:fillRect/>
+          </a:stretch>
+        </p:blipFill>
+        <p:spPr>
+          <a:xfrm>
+            <a:off x="1803955" y="614128"/>
+            <a:ext cx="8340415" cy="4696426"/>
           </a:xfrm>
           <a:prstGeom prst="rect">
             <a:avLst/>
           </a:prstGeom>
-          <a:noFill/>
-        </p:spPr>
-        <p:txBody>
-          <a:bodyPr wrap="square">
-            <a:spAutoFit/>
-          </a:bodyPr>
-          <a:lstStyle/>
-          <a:p>
-            <a:r>
-              <a:rPr lang="en-US" dirty="0">
-                <a:hlinkClick r:id="rId3"/>
-              </a:rPr>
-              <a:t>https://www.amazon.com/Stainless-Phillips-Screws-Multipurpose-TPOHH/dp/B0CHRWGT8N/</a:t>
-            </a:r>
-            <a:r>
-              <a:rPr lang="en-US" dirty="0"/>
-              <a:t> </a:t>
-            </a:r>
-          </a:p>
-        </p:txBody>
-      </p:sp>
+        </p:spPr>
+      </p:pic>
     </p:spTree>
     <p:extLst>
       <p:ext uri="{BB962C8B-B14F-4D97-AF65-F5344CB8AC3E}">
-        <p14:creationId xmlns:p14="http://schemas.microsoft.com/office/powerpoint/2010/main" val="3246972724"/>
+        <p14:creationId xmlns:p14="http://schemas.microsoft.com/office/powerpoint/2010/main" val="3536419976"/>
       </p:ext>
     </p:extLst>
   </p:cSld>
